--- a/presentation_template.pptx
+++ b/presentation_template.pptx
@@ -241,7 +241,7 @@
           <a:p>
             <a:fld id="{FCE62517-473D-4E93-B091-85AC8C76E09A}" type="datetimeFigureOut">
               <a:rPr lang="en-US" smtClean="0"/>
-              <a:t>1/17/2020</a:t>
+              <a:t>1/20/2020</a:t>
             </a:fld>
             <a:endParaRPr lang="en-US"/>
           </a:p>
@@ -409,7 +409,7 @@
           <a:p>
             <a:fld id="{FCE62517-473D-4E93-B091-85AC8C76E09A}" type="datetimeFigureOut">
               <a:rPr lang="en-US" smtClean="0"/>
-              <a:t>1/17/2020</a:t>
+              <a:t>1/20/2020</a:t>
             </a:fld>
             <a:endParaRPr lang="en-US"/>
           </a:p>
@@ -587,7 +587,7 @@
           <a:p>
             <a:fld id="{FCE62517-473D-4E93-B091-85AC8C76E09A}" type="datetimeFigureOut">
               <a:rPr lang="en-US" smtClean="0"/>
-              <a:t>1/17/2020</a:t>
+              <a:t>1/20/2020</a:t>
             </a:fld>
             <a:endParaRPr lang="en-US"/>
           </a:p>
@@ -755,7 +755,7 @@
           <a:p>
             <a:fld id="{FCE62517-473D-4E93-B091-85AC8C76E09A}" type="datetimeFigureOut">
               <a:rPr lang="en-US" smtClean="0"/>
-              <a:t>1/17/2020</a:t>
+              <a:t>1/20/2020</a:t>
             </a:fld>
             <a:endParaRPr lang="en-US"/>
           </a:p>
@@ -1000,7 +1000,7 @@
           <a:p>
             <a:fld id="{FCE62517-473D-4E93-B091-85AC8C76E09A}" type="datetimeFigureOut">
               <a:rPr lang="en-US" smtClean="0"/>
-              <a:t>1/17/2020</a:t>
+              <a:t>1/20/2020</a:t>
             </a:fld>
             <a:endParaRPr lang="en-US"/>
           </a:p>
@@ -1229,7 +1229,7 @@
           <a:p>
             <a:fld id="{FCE62517-473D-4E93-B091-85AC8C76E09A}" type="datetimeFigureOut">
               <a:rPr lang="en-US" smtClean="0"/>
-              <a:t>1/17/2020</a:t>
+              <a:t>1/20/2020</a:t>
             </a:fld>
             <a:endParaRPr lang="en-US"/>
           </a:p>
@@ -1593,7 +1593,7 @@
           <a:p>
             <a:fld id="{FCE62517-473D-4E93-B091-85AC8C76E09A}" type="datetimeFigureOut">
               <a:rPr lang="en-US" smtClean="0"/>
-              <a:t>1/17/2020</a:t>
+              <a:t>1/20/2020</a:t>
             </a:fld>
             <a:endParaRPr lang="en-US"/>
           </a:p>
@@ -1710,7 +1710,7 @@
           <a:p>
             <a:fld id="{FCE62517-473D-4E93-B091-85AC8C76E09A}" type="datetimeFigureOut">
               <a:rPr lang="en-US" smtClean="0"/>
-              <a:t>1/17/2020</a:t>
+              <a:t>1/20/2020</a:t>
             </a:fld>
             <a:endParaRPr lang="en-US"/>
           </a:p>
@@ -1805,7 +1805,7 @@
           <a:p>
             <a:fld id="{FCE62517-473D-4E93-B091-85AC8C76E09A}" type="datetimeFigureOut">
               <a:rPr lang="en-US" smtClean="0"/>
-              <a:t>1/17/2020</a:t>
+              <a:t>1/20/2020</a:t>
             </a:fld>
             <a:endParaRPr lang="en-US"/>
           </a:p>
@@ -2080,7 +2080,7 @@
           <a:p>
             <a:fld id="{FCE62517-473D-4E93-B091-85AC8C76E09A}" type="datetimeFigureOut">
               <a:rPr lang="en-US" smtClean="0"/>
-              <a:t>1/17/2020</a:t>
+              <a:t>1/20/2020</a:t>
             </a:fld>
             <a:endParaRPr lang="en-US"/>
           </a:p>
@@ -2332,7 +2332,7 @@
           <a:p>
             <a:fld id="{FCE62517-473D-4E93-B091-85AC8C76E09A}" type="datetimeFigureOut">
               <a:rPr lang="en-US" smtClean="0"/>
-              <a:t>1/17/2020</a:t>
+              <a:t>1/20/2020</a:t>
             </a:fld>
             <a:endParaRPr lang="en-US"/>
           </a:p>
@@ -2543,7 +2543,7 @@
           <a:p>
             <a:fld id="{FCE62517-473D-4E93-B091-85AC8C76E09A}" type="datetimeFigureOut">
               <a:rPr lang="en-US" smtClean="0"/>
-              <a:t>1/17/2020</a:t>
+              <a:t>1/20/2020</a:t>
             </a:fld>
             <a:endParaRPr lang="en-US"/>
           </a:p>
@@ -4499,8 +4499,8 @@
         </p:blipFill>
         <p:spPr>
           <a:xfrm>
-            <a:off x="4912088" y="4512279"/>
-            <a:ext cx="2316480" cy="1981355"/>
+            <a:off x="4725916" y="4512279"/>
+            <a:ext cx="2502652" cy="1981355"/>
           </a:xfrm>
           <a:prstGeom prst="rect">
             <a:avLst/>
@@ -4535,8 +4535,8 @@
         </p:blipFill>
         <p:spPr>
           <a:xfrm>
-            <a:off x="698081" y="4749078"/>
-            <a:ext cx="2418258" cy="1602510"/>
+            <a:off x="286508" y="4749078"/>
+            <a:ext cx="3428385" cy="1602510"/>
           </a:xfrm>
           <a:prstGeom prst="rect">
             <a:avLst/>
